--- a/Lectures/Chapter4-DLP/OP-Chapter4-Part1.pptx
+++ b/Lectures/Chapter4-DLP/OP-Chapter4-Part1.pptx
@@ -1065,7 +1065,7 @@
                   <a:spcPct val="0"/>
                 </a:spcBef>
               </a:pPr>
-              <a:t>17 August 2022</a:t>
+              <a:t>18 August 2022</a:t>
             </a:fld>
             <a:endParaRPr lang="en-US" altLang="en-US"/>
           </a:p>
@@ -2088,7 +2088,7 @@
             <a:fld id="{414642C3-FE34-184C-A17C-B32A33173A90}" type="datetime3">
               <a:rPr lang="en-US" altLang="en-US" sz="1200" smtClean="0"/>
               <a:pPr/>
-              <a:t>17 August 2022</a:t>
+              <a:t>18 August 2022</a:t>
             </a:fld>
             <a:endParaRPr lang="en-US" altLang="en-US" sz="1200"/>
           </a:p>
@@ -2811,7 +2811,7 @@
             <a:fld id="{F97C4BC1-4B48-E94F-B805-2F3FA5D9A7F0}" type="datetime3">
               <a:rPr lang="en-US" altLang="en-US" sz="1200" smtClean="0"/>
               <a:pPr/>
-              <a:t>17 August 2022</a:t>
+              <a:t>18 August 2022</a:t>
             </a:fld>
             <a:endParaRPr lang="en-US" altLang="en-US" sz="1200"/>
           </a:p>
@@ -3534,7 +3534,7 @@
             <a:fld id="{629281D8-F677-F247-8FD4-188E2EAEB7CA}" type="datetime3">
               <a:rPr lang="en-US" altLang="en-US" sz="1200" smtClean="0"/>
               <a:pPr/>
-              <a:t>17 August 2022</a:t>
+              <a:t>18 August 2022</a:t>
             </a:fld>
             <a:endParaRPr lang="en-US" altLang="en-US" sz="1200"/>
           </a:p>
@@ -4257,7 +4257,7 @@
             <a:fld id="{5F344E3C-6209-6A4B-A29B-8E0EC4B4B191}" type="datetime3">
               <a:rPr lang="en-US" altLang="en-US" sz="1200" smtClean="0"/>
               <a:pPr/>
-              <a:t>17 August 2022</a:t>
+              <a:t>18 August 2022</a:t>
             </a:fld>
             <a:endParaRPr lang="en-US" altLang="en-US" sz="1200"/>
           </a:p>
@@ -4980,7 +4980,7 @@
             <a:fld id="{79B9594C-9746-7D4F-A090-75A6EC9B2257}" type="datetime3">
               <a:rPr lang="en-US" altLang="en-US" sz="1200" smtClean="0"/>
               <a:pPr/>
-              <a:t>17 August 2022</a:t>
+              <a:t>18 August 2022</a:t>
             </a:fld>
             <a:endParaRPr lang="en-US" altLang="en-US" sz="1200"/>
           </a:p>
@@ -5943,7 +5943,7 @@
             <a:fld id="{F848B298-BB94-D841-BC54-A4095D55434B}" type="datetime3">
               <a:rPr lang="en-US" altLang="en-US" sz="1200" smtClean="0"/>
               <a:pPr/>
-              <a:t>17 August 2022</a:t>
+              <a:t>18 August 2022</a:t>
             </a:fld>
             <a:endParaRPr lang="en-US" altLang="en-US" sz="1200"/>
           </a:p>
@@ -6730,7 +6730,7 @@
             <a:fld id="{0FE588FF-1A41-DD4E-BAB9-E579C8D959DB}" type="datetime3">
               <a:rPr lang="en-US" altLang="en-US" sz="1200" smtClean="0"/>
               <a:pPr/>
-              <a:t>17 August 2022</a:t>
+              <a:t>18 August 2022</a:t>
             </a:fld>
             <a:endParaRPr lang="en-US" altLang="en-US" sz="1200"/>
           </a:p>
@@ -7453,7 +7453,7 @@
             <a:fld id="{0FE588FF-1A41-DD4E-BAB9-E579C8D959DB}" type="datetime3">
               <a:rPr lang="en-US" altLang="en-US" sz="1200" smtClean="0"/>
               <a:pPr/>
-              <a:t>17 August 2022</a:t>
+              <a:t>18 August 2022</a:t>
             </a:fld>
             <a:endParaRPr lang="en-US" altLang="en-US" sz="1200"/>
           </a:p>
@@ -13720,8 +13720,8 @@
         </p:nvSpPr>
         <p:spPr>
           <a:xfrm>
-            <a:off x="3558313" y="4326710"/>
-            <a:ext cx="5132388" cy="2246769"/>
+            <a:off x="3568732" y="4072710"/>
+            <a:ext cx="5132388" cy="2462213"/>
           </a:xfrm>
           <a:prstGeom prst="rect">
             <a:avLst/>
@@ -13746,7 +13746,25 @@
                 </a:solidFill>
                 <a:latin typeface="Candara" panose="020E0502030303020204" pitchFamily="34" charset="0"/>
               </a:rPr>
-              <a:t>“Who’s first?” </a:t>
+              <a:t>“We call these algorithms </a:t>
+            </a:r>
+            <a:r>
+              <a:rPr lang="en-US" sz="1400" i="1" dirty="0">
+                <a:solidFill>
+                  <a:schemeClr val="bg2"/>
+                </a:solidFill>
+                <a:latin typeface="Candara" panose="020E0502030303020204" pitchFamily="34" charset="0"/>
+              </a:rPr>
+              <a:t>data parallel </a:t>
+            </a:r>
+            <a:r>
+              <a:rPr lang="en-US" sz="1400" dirty="0">
+                <a:solidFill>
+                  <a:schemeClr val="bg2"/>
+                </a:solidFill>
+                <a:latin typeface="Candara" panose="020E0502030303020204" pitchFamily="34" charset="0"/>
+              </a:rPr>
+              <a:t>algorithms because their parallelism comes from simultaneous operations across large sets of data, rather than from multiple thread of control.”</a:t>
             </a:r>
           </a:p>
           <a:p>
@@ -13762,7 +13780,7 @@
                 </a:solidFill>
                 <a:latin typeface="Candara" panose="020E0502030303020204" pitchFamily="34" charset="0"/>
               </a:rPr>
-              <a:t>“America.”</a:t>
+              <a:t>	- W. Daniel Hillis and Guy L. Steele</a:t>
             </a:r>
           </a:p>
           <a:p>
@@ -13778,7 +13796,25 @@
                 </a:solidFill>
                 <a:latin typeface="Candara" panose="020E0502030303020204" pitchFamily="34" charset="0"/>
               </a:rPr>
-              <a:t>“Who’s second?”</a:t>
+              <a:t>	”Data Parallel Algorithms,” </a:t>
+            </a:r>
+            <a:r>
+              <a:rPr lang="en-US" sz="1400" i="1" dirty="0">
+                <a:solidFill>
+                  <a:schemeClr val="bg2"/>
+                </a:solidFill>
+                <a:latin typeface="Candara" panose="020E0502030303020204" pitchFamily="34" charset="0"/>
+              </a:rPr>
+              <a:t>Comm. ACM </a:t>
+            </a:r>
+            <a:r>
+              <a:rPr lang="en-US" sz="1400" dirty="0">
+                <a:solidFill>
+                  <a:schemeClr val="bg2"/>
+                </a:solidFill>
+                <a:latin typeface="Candara" panose="020E0502030303020204" pitchFamily="34" charset="0"/>
+              </a:rPr>
+              <a:t>(1986)</a:t>
             </a:r>
           </a:p>
           <a:p>
@@ -13787,18 +13823,15 @@
                 <a:tab pos="4852988" algn="r"/>
               </a:tabLst>
             </a:pPr>
-            <a:r>
-              <a:rPr lang="en-US" sz="1400" dirty="0">
-                <a:solidFill>
-                  <a:schemeClr val="bg2"/>
-                </a:solidFill>
-                <a:latin typeface="Candara" panose="020E0502030303020204" pitchFamily="34" charset="0"/>
-              </a:rPr>
-              <a:t>“Sir, there is no second.”</a:t>
-            </a:r>
-          </a:p>
-          <a:p>
-            <a:pPr marL="917575">
+            <a:endParaRPr lang="en-US" sz="1400" dirty="0">
+              <a:solidFill>
+                <a:schemeClr val="bg2"/>
+              </a:solidFill>
+              <a:latin typeface="Candara" panose="020E0502030303020204" pitchFamily="34" charset="0"/>
+            </a:endParaRPr>
+          </a:p>
+          <a:p>
+            <a:pPr>
               <a:tabLst>
                 <a:tab pos="4852988" algn="r"/>
               </a:tabLst>
@@ -13810,17 +13843,31 @@
                 </a:solidFill>
                 <a:latin typeface="Candara" panose="020E0502030303020204" pitchFamily="34" charset="0"/>
               </a:rPr>
-              <a:t>-Dialog between two observers of the sailing race later named “The America’s Cup” and run every few years -- the inspiration for John </a:t>
-            </a:r>
-            <a:r>
-              <a:rPr lang="en-US" sz="1400" dirty="0" err="1">
+              <a:t>“If you were plowing a field, which would you rather use, two strong oxen or 1024 chickens?”</a:t>
+            </a:r>
+          </a:p>
+          <a:p>
+            <a:pPr>
+              <a:tabLst>
+                <a:tab pos="4852988" algn="r"/>
+              </a:tabLst>
+            </a:pPr>
+            <a:r>
+              <a:rPr lang="en-US" sz="1400" dirty="0">
                 <a:solidFill>
                   <a:schemeClr val="bg2"/>
                 </a:solidFill>
                 <a:latin typeface="Candara" panose="020E0502030303020204" pitchFamily="34" charset="0"/>
               </a:rPr>
-              <a:t>Cocke’s</a:t>
-            </a:r>
+              <a:t>	- Seymour Cray, Father of the Supercomputer</a:t>
+            </a:r>
+          </a:p>
+          <a:p>
+            <a:pPr>
+              <a:tabLst>
+                <a:tab pos="4852988" algn="r"/>
+              </a:tabLst>
+            </a:pPr>
             <a:r>
               <a:rPr lang="en-US" sz="1400" dirty="0">
                 <a:solidFill>
@@ -13828,7 +13875,23 @@
                 </a:solidFill>
                 <a:latin typeface="Candara" panose="020E0502030303020204" pitchFamily="34" charset="0"/>
               </a:rPr>
-              <a:t> naming of the IBM research processor as “America.” This processor was the precursor to the RS/6000 series and the first superscalar microprocessor.</a:t>
+              <a:t>	(arguing for two powerful vector processors </a:t>
+            </a:r>
+          </a:p>
+          <a:p>
+            <a:pPr>
+              <a:tabLst>
+                <a:tab pos="4852988" algn="r"/>
+              </a:tabLst>
+            </a:pPr>
+            <a:r>
+              <a:rPr lang="en-US" sz="1400" dirty="0">
+                <a:solidFill>
+                  <a:schemeClr val="bg2"/>
+                </a:solidFill>
+                <a:latin typeface="Candara" panose="020E0502030303020204" pitchFamily="34" charset="0"/>
+              </a:rPr>
+              <a:t>	versus many simple processors)</a:t>
             </a:r>
           </a:p>
         </p:txBody>
